--- a/Két fős program.pptx
+++ b/Két fős program.pptx
@@ -14982,8 +14982,8 @@
         </p:nvSpPr>
         <p:spPr>
           <a:xfrm>
-            <a:off x="1154954" y="2603500"/>
-            <a:ext cx="9989296" cy="3416300"/>
+            <a:off x="428625" y="2603500"/>
+            <a:ext cx="11506199" cy="3416300"/>
           </a:xfrm>
         </p:spPr>
         <p:txBody>

--- a/Két fős program.pptx
+++ b/Két fős program.pptx
@@ -115,6 +115,11 @@
       </a:defRPr>
     </a:lvl9pPr>
   </p:defaultTextStyle>
+  <p:extLst>
+    <p:ext uri="{EFAFB233-063F-42B5-8137-9DF3F51BA10A}">
+      <p15:sldGuideLst xmlns:p15="http://schemas.microsoft.com/office/powerpoint/2012/main"/>
+    </p:ext>
+  </p:extLst>
 </p:presentation>
 </file>
 
@@ -807,7 +812,7 @@
           <a:p>
             <a:fld id="{0F188795-AF71-42DC-B320-223644548ED4}" type="datetimeFigureOut">
               <a:rPr lang="hu-HU" smtClean="0"/>
-              <a:t>2023. 05. 19.</a:t>
+              <a:t>2023. 09. 18.</a:t>
             </a:fld>
             <a:endParaRPr lang="hu-HU"/>
           </a:p>
@@ -1968,7 +1973,7 @@
           <a:p>
             <a:fld id="{0F188795-AF71-42DC-B320-223644548ED4}" type="datetimeFigureOut">
               <a:rPr lang="hu-HU" smtClean="0"/>
-              <a:t>2023. 05. 19.</a:t>
+              <a:t>2023. 09. 18.</a:t>
             </a:fld>
             <a:endParaRPr lang="hu-HU"/>
           </a:p>
@@ -3022,7 +3027,7 @@
           <a:p>
             <a:fld id="{0F188795-AF71-42DC-B320-223644548ED4}" type="datetimeFigureOut">
               <a:rPr lang="hu-HU" smtClean="0"/>
-              <a:t>2023. 05. 19.</a:t>
+              <a:t>2023. 09. 18.</a:t>
             </a:fld>
             <a:endParaRPr lang="hu-HU"/>
           </a:p>
@@ -4235,7 +4240,7 @@
           <a:p>
             <a:fld id="{0F188795-AF71-42DC-B320-223644548ED4}" type="datetimeFigureOut">
               <a:rPr lang="hu-HU" smtClean="0"/>
-              <a:t>2023. 05. 19.</a:t>
+              <a:t>2023. 09. 18.</a:t>
             </a:fld>
             <a:endParaRPr lang="hu-HU"/>
           </a:p>
@@ -5339,7 +5344,7 @@
           <a:p>
             <a:fld id="{0F188795-AF71-42DC-B320-223644548ED4}" type="datetimeFigureOut">
               <a:rPr lang="hu-HU" smtClean="0"/>
-              <a:t>2023. 05. 19.</a:t>
+              <a:t>2023. 09. 18.</a:t>
             </a:fld>
             <a:endParaRPr lang="hu-HU"/>
           </a:p>
@@ -5991,7 +5996,7 @@
           <a:p>
             <a:fld id="{0F188795-AF71-42DC-B320-223644548ED4}" type="datetimeFigureOut">
               <a:rPr lang="hu-HU" smtClean="0"/>
-              <a:t>2023. 05. 19.</a:t>
+              <a:t>2023. 09. 18.</a:t>
             </a:fld>
             <a:endParaRPr lang="hu-HU"/>
           </a:p>
@@ -6838,7 +6843,7 @@
           <a:p>
             <a:fld id="{0F188795-AF71-42DC-B320-223644548ED4}" type="datetimeFigureOut">
               <a:rPr lang="hu-HU" smtClean="0"/>
-              <a:t>2023. 05. 19.</a:t>
+              <a:t>2023. 09. 18.</a:t>
             </a:fld>
             <a:endParaRPr lang="hu-HU"/>
           </a:p>
@@ -7023,7 +7028,7 @@
           <a:p>
             <a:fld id="{0F188795-AF71-42DC-B320-223644548ED4}" type="datetimeFigureOut">
               <a:rPr lang="hu-HU" smtClean="0"/>
-              <a:t>2023. 05. 19.</a:t>
+              <a:t>2023. 09. 18.</a:t>
             </a:fld>
             <a:endParaRPr lang="hu-HU"/>
           </a:p>
@@ -8064,7 +8069,7 @@
           <a:p>
             <a:fld id="{0F188795-AF71-42DC-B320-223644548ED4}" type="datetimeFigureOut">
               <a:rPr lang="hu-HU" smtClean="0"/>
-              <a:t>2023. 05. 19.</a:t>
+              <a:t>2023. 09. 18.</a:t>
             </a:fld>
             <a:endParaRPr lang="hu-HU"/>
           </a:p>
@@ -8280,7 +8285,7 @@
           <a:p>
             <a:fld id="{0F188795-AF71-42DC-B320-223644548ED4}" type="datetimeFigureOut">
               <a:rPr lang="hu-HU" smtClean="0"/>
-              <a:t>2023. 05. 19.</a:t>
+              <a:t>2023. 09. 18.</a:t>
             </a:fld>
             <a:endParaRPr lang="hu-HU"/>
           </a:p>
@@ -9385,7 +9390,7 @@
           <a:p>
             <a:fld id="{0F188795-AF71-42DC-B320-223644548ED4}" type="datetimeFigureOut">
               <a:rPr lang="hu-HU" smtClean="0"/>
-              <a:t>2023. 05. 19.</a:t>
+              <a:t>2023. 09. 18.</a:t>
             </a:fld>
             <a:endParaRPr lang="hu-HU"/>
           </a:p>
@@ -9657,7 +9662,7 @@
           <a:p>
             <a:fld id="{0F188795-AF71-42DC-B320-223644548ED4}" type="datetimeFigureOut">
               <a:rPr lang="hu-HU" smtClean="0"/>
-              <a:t>2023. 05. 19.</a:t>
+              <a:t>2023. 09. 18.</a:t>
             </a:fld>
             <a:endParaRPr lang="hu-HU"/>
           </a:p>
@@ -10039,7 +10044,7 @@
           <a:p>
             <a:fld id="{0F188795-AF71-42DC-B320-223644548ED4}" type="datetimeFigureOut">
               <a:rPr lang="hu-HU" smtClean="0"/>
-              <a:t>2023. 05. 19.</a:t>
+              <a:t>2023. 09. 18.</a:t>
             </a:fld>
             <a:endParaRPr lang="hu-HU"/>
           </a:p>
@@ -10157,7 +10162,7 @@
           <a:p>
             <a:fld id="{0F188795-AF71-42DC-B320-223644548ED4}" type="datetimeFigureOut">
               <a:rPr lang="hu-HU" smtClean="0"/>
-              <a:t>2023. 05. 19.</a:t>
+              <a:t>2023. 09. 18.</a:t>
             </a:fld>
             <a:endParaRPr lang="hu-HU"/>
           </a:p>
@@ -10252,7 +10257,7 @@
           <a:p>
             <a:fld id="{0F188795-AF71-42DC-B320-223644548ED4}" type="datetimeFigureOut">
               <a:rPr lang="hu-HU" smtClean="0"/>
-              <a:t>2023. 05. 19.</a:t>
+              <a:t>2023. 09. 18.</a:t>
             </a:fld>
             <a:endParaRPr lang="hu-HU"/>
           </a:p>
@@ -11404,7 +11409,7 @@
           <a:p>
             <a:fld id="{0F188795-AF71-42DC-B320-223644548ED4}" type="datetimeFigureOut">
               <a:rPr lang="hu-HU" smtClean="0"/>
-              <a:t>2023. 05. 19.</a:t>
+              <a:t>2023. 09. 18.</a:t>
             </a:fld>
             <a:endParaRPr lang="hu-HU"/>
           </a:p>
@@ -12580,7 +12585,7 @@
           <a:p>
             <a:fld id="{0F188795-AF71-42DC-B320-223644548ED4}" type="datetimeFigureOut">
               <a:rPr lang="hu-HU" smtClean="0"/>
-              <a:t>2023. 05. 19.</a:t>
+              <a:t>2023. 09. 18.</a:t>
             </a:fld>
             <a:endParaRPr lang="hu-HU"/>
           </a:p>
@@ -13686,7 +13691,7 @@
           <a:p>
             <a:fld id="{0F188795-AF71-42DC-B320-223644548ED4}" type="datetimeFigureOut">
               <a:rPr lang="hu-HU" smtClean="0"/>
-              <a:t>2023. 05. 19.</a:t>
+              <a:t>2023. 09. 18.</a:t>
             </a:fld>
             <a:endParaRPr lang="hu-HU"/>
           </a:p>
@@ -15000,8 +15005,17 @@
           <a:p>
             <a:r>
               <a:rPr lang="hu-HU" sz="3600" dirty="0"/>
-              <a:t>Marcell: Beolvasás, Menürendszer, Szöveges Dokumentum d:-3</a:t>
+              <a:t>Marcell: Beolvasás, Menürendszer, </a:t>
             </a:r>
+            <a:r>
+              <a:rPr lang="hu-HU" sz="3600"/>
+              <a:t>Szöveges </a:t>
+            </a:r>
+            <a:r>
+              <a:rPr lang="hu-HU" sz="3600" smtClean="0"/>
+              <a:t>Dokumentum</a:t>
+            </a:r>
+            <a:endParaRPr lang="hu-HU" sz="3600" dirty="0"/>
           </a:p>
         </p:txBody>
       </p:sp>
